--- a/Paper/Checkpoints/03-05 Checkin.pptx
+++ b/Paper/Checkpoints/03-05 Checkin.pptx
@@ -2398,7 +2398,7 @@
           <a:p>
             <a:fld id="{F5E9CF8D-DC79-42C7-A9F0-751BEB21AB0F}" type="datetimeFigureOut">
               <a:rPr lang="en-US" smtClean="0"/>
-              <a:t>2/23/2020</a:t>
+              <a:t>3/5/2020</a:t>
             </a:fld>
             <a:endParaRPr lang="en-US" dirty="0"/>
           </a:p>
@@ -2833,7 +2833,7 @@
           <a:p>
             <a:fld id="{6B233FFB-8730-4E96-95EB-A8FD52A0AB17}" type="datetime1">
               <a:rPr lang="en-US" smtClean="0"/>
-              <a:t>2/23/2020</a:t>
+              <a:t>3/5/2020</a:t>
             </a:fld>
             <a:endParaRPr lang="en-US" dirty="0"/>
           </a:p>
@@ -3061,7 +3061,7 @@
           <a:p>
             <a:fld id="{1E7CA904-E9DA-473F-8DC9-D144B34B1F7D}" type="datetime1">
               <a:rPr lang="en-US" smtClean="0"/>
-              <a:t>2/23/2020</a:t>
+              <a:t>3/5/2020</a:t>
             </a:fld>
             <a:endParaRPr lang="en-US" dirty="0"/>
           </a:p>
@@ -3241,7 +3241,7 @@
           <a:p>
             <a:fld id="{2C228909-1761-4B52-9DB6-4979312EFDEF}" type="datetime1">
               <a:rPr lang="en-US" smtClean="0"/>
-              <a:t>2/23/2020</a:t>
+              <a:t>3/5/2020</a:t>
             </a:fld>
             <a:endParaRPr lang="en-US" dirty="0"/>
           </a:p>
@@ -3411,7 +3411,7 @@
           <a:p>
             <a:fld id="{B129E873-C0DE-4545-8180-1A8C95785FC8}" type="datetime1">
               <a:rPr lang="en-US" smtClean="0"/>
-              <a:t>2/23/2020</a:t>
+              <a:t>3/5/2020</a:t>
             </a:fld>
             <a:endParaRPr lang="en-US" dirty="0"/>
           </a:p>
@@ -3665,7 +3665,7 @@
           <a:p>
             <a:fld id="{CD5A51B0-791B-4B1D-818D-85347694A9F0}" type="datetime1">
               <a:rPr lang="en-US" smtClean="0"/>
-              <a:t>2/23/2020</a:t>
+              <a:t>3/5/2020</a:t>
             </a:fld>
             <a:endParaRPr lang="en-US" dirty="0"/>
           </a:p>
@@ -3991,7 +3991,7 @@
           <a:p>
             <a:fld id="{B5F6597E-384C-4FCD-9CF6-A79705FE1BB8}" type="datetime1">
               <a:rPr lang="en-US" smtClean="0"/>
-              <a:t>2/23/2020</a:t>
+              <a:t>3/5/2020</a:t>
             </a:fld>
             <a:endParaRPr lang="en-US" dirty="0"/>
           </a:p>
@@ -4442,7 +4442,7 @@
           <a:p>
             <a:fld id="{BE436D9D-3A1A-40CF-B04C-30F321895ECD}" type="datetime1">
               <a:rPr lang="en-US" smtClean="0"/>
-              <a:t>2/23/2020</a:t>
+              <a:t>3/5/2020</a:t>
             </a:fld>
             <a:endParaRPr lang="en-US" dirty="0"/>
           </a:p>
@@ -4560,7 +4560,7 @@
           <a:p>
             <a:fld id="{7F744C8B-04A5-4DBD-AFF1-C1828A19C373}" type="datetime1">
               <a:rPr lang="en-US" smtClean="0"/>
-              <a:t>2/23/2020</a:t>
+              <a:t>3/5/2020</a:t>
             </a:fld>
             <a:endParaRPr lang="en-US" dirty="0"/>
           </a:p>
@@ -4655,7 +4655,7 @@
           <a:p>
             <a:fld id="{996AA916-2264-49E3-A530-ABC6DF3385DC}" type="datetime1">
               <a:rPr lang="en-US" smtClean="0"/>
-              <a:t>2/23/2020</a:t>
+              <a:t>3/5/2020</a:t>
             </a:fld>
             <a:endParaRPr lang="en-US" dirty="0"/>
           </a:p>
@@ -4942,7 +4942,7 @@
           <a:p>
             <a:fld id="{D544E559-9FAB-4DB1-9768-444C05D2D6D7}" type="datetime1">
               <a:rPr lang="en-US" smtClean="0"/>
-              <a:t>2/23/2020</a:t>
+              <a:t>3/5/2020</a:t>
             </a:fld>
             <a:endParaRPr lang="en-US" dirty="0"/>
           </a:p>
@@ -5263,7 +5263,7 @@
           <a:p>
             <a:fld id="{A5286A95-22EA-424B-8786-3147D30B195C}" type="datetime1">
               <a:rPr lang="en-US" smtClean="0"/>
-              <a:t>2/23/2020</a:t>
+              <a:t>3/5/2020</a:t>
             </a:fld>
             <a:endParaRPr lang="en-US" dirty="0"/>
           </a:p>
@@ -5517,7 +5517,7 @@
           <a:p>
             <a:fld id="{2F821A4C-A4B7-44BE-8971-13A999C79CF3}" type="datetime1">
               <a:rPr lang="en-US" smtClean="0"/>
-              <a:t>2/23/2020</a:t>
+              <a:t>3/5/2020</a:t>
             </a:fld>
             <a:endParaRPr lang="en-US" dirty="0"/>
           </a:p>
